--- a/CI-CD Pipelines.pptx
+++ b/CI-CD Pipelines.pptx
@@ -238,7 +238,7 @@
           <a:p>
             <a:fld id="{F3B47075-42FC-4992-BFD6-71B1872E4AB2}" type="datetimeFigureOut">
               <a:rPr lang="en-US" smtClean="0"/>
-              <a:t>12/20/2023</a:t>
+              <a:t>1/29/2024</a:t>
             </a:fld>
             <a:endParaRPr lang="en-US" dirty="0"/>
           </a:p>
@@ -2567,7 +2567,7 @@
           <a:p>
             <a:fld id="{72CC6C99-819B-4E2C-B66B-9C4B0D9D41D3}" type="datetimeFigureOut">
               <a:rPr lang="en-US" smtClean="0"/>
-              <a:t>12/20/2023</a:t>
+              <a:t>1/29/2024</a:t>
             </a:fld>
             <a:endParaRPr lang="en-US" dirty="0"/>
           </a:p>
@@ -2767,7 +2767,7 @@
           <a:p>
             <a:fld id="{72CC6C99-819B-4E2C-B66B-9C4B0D9D41D3}" type="datetimeFigureOut">
               <a:rPr lang="en-US" smtClean="0"/>
-              <a:t>12/20/2023</a:t>
+              <a:t>1/29/2024</a:t>
             </a:fld>
             <a:endParaRPr lang="en-US" dirty="0"/>
           </a:p>
@@ -3045,7 +3045,7 @@
           <a:p>
             <a:fld id="{FE54115B-6CD9-43BC-8D55-E1FCD10AF002}" type="datetimeFigureOut">
               <a:rPr lang="en-US" smtClean="0"/>
-              <a:t>12/20/2023</a:t>
+              <a:t>1/29/2024</a:t>
             </a:fld>
             <a:endParaRPr lang="en-US" dirty="0"/>
           </a:p>
@@ -3213,7 +3213,7 @@
           <a:p>
             <a:fld id="{FE54115B-6CD9-43BC-8D55-E1FCD10AF002}" type="datetimeFigureOut">
               <a:rPr lang="en-US" smtClean="0"/>
-              <a:t>12/20/2023</a:t>
+              <a:t>1/29/2024</a:t>
             </a:fld>
             <a:endParaRPr lang="en-US" dirty="0"/>
           </a:p>
@@ -3458,7 +3458,7 @@
           <a:p>
             <a:fld id="{FE54115B-6CD9-43BC-8D55-E1FCD10AF002}" type="datetimeFigureOut">
               <a:rPr lang="en-US" smtClean="0"/>
-              <a:t>12/20/2023</a:t>
+              <a:t>1/29/2024</a:t>
             </a:fld>
             <a:endParaRPr lang="en-US" dirty="0"/>
           </a:p>
@@ -3743,7 +3743,7 @@
           <a:p>
             <a:fld id="{FE54115B-6CD9-43BC-8D55-E1FCD10AF002}" type="datetimeFigureOut">
               <a:rPr lang="en-US" smtClean="0"/>
-              <a:t>12/20/2023</a:t>
+              <a:t>1/29/2024</a:t>
             </a:fld>
             <a:endParaRPr lang="en-US" dirty="0"/>
           </a:p>
@@ -4162,7 +4162,7 @@
           <a:p>
             <a:fld id="{FE54115B-6CD9-43BC-8D55-E1FCD10AF002}" type="datetimeFigureOut">
               <a:rPr lang="en-US" smtClean="0"/>
-              <a:t>12/20/2023</a:t>
+              <a:t>1/29/2024</a:t>
             </a:fld>
             <a:endParaRPr lang="en-US" dirty="0"/>
           </a:p>
@@ -4279,7 +4279,7 @@
           <a:p>
             <a:fld id="{FE54115B-6CD9-43BC-8D55-E1FCD10AF002}" type="datetimeFigureOut">
               <a:rPr lang="en-US" smtClean="0"/>
-              <a:t>12/20/2023</a:t>
+              <a:t>1/29/2024</a:t>
             </a:fld>
             <a:endParaRPr lang="en-US" dirty="0"/>
           </a:p>
@@ -4374,7 +4374,7 @@
           <a:p>
             <a:fld id="{FE54115B-6CD9-43BC-8D55-E1FCD10AF002}" type="datetimeFigureOut">
               <a:rPr lang="en-US" smtClean="0"/>
-              <a:t>12/20/2023</a:t>
+              <a:t>1/29/2024</a:t>
             </a:fld>
             <a:endParaRPr lang="en-US" dirty="0"/>
           </a:p>
@@ -4827,7 +4827,7 @@
           <a:p>
             <a:fld id="{FE54115B-6CD9-43BC-8D55-E1FCD10AF002}" type="datetimeFigureOut">
               <a:rPr lang="en-US" smtClean="0"/>
-              <a:t>12/20/2023</a:t>
+              <a:t>1/29/2024</a:t>
             </a:fld>
             <a:endParaRPr lang="en-US" dirty="0"/>
           </a:p>
@@ -5079,7 +5079,7 @@
           <a:p>
             <a:fld id="{FE54115B-6CD9-43BC-8D55-E1FCD10AF002}" type="datetimeFigureOut">
               <a:rPr lang="en-US" smtClean="0"/>
-              <a:t>12/20/2023</a:t>
+              <a:t>1/29/2024</a:t>
             </a:fld>
             <a:endParaRPr lang="en-US" dirty="0"/>
           </a:p>
@@ -5247,7 +5247,7 @@
           <a:p>
             <a:fld id="{FE54115B-6CD9-43BC-8D55-E1FCD10AF002}" type="datetimeFigureOut">
               <a:rPr lang="en-US" smtClean="0"/>
-              <a:t>12/20/2023</a:t>
+              <a:t>1/29/2024</a:t>
             </a:fld>
             <a:endParaRPr lang="en-US" dirty="0"/>
           </a:p>
@@ -5425,7 +5425,7 @@
           <a:p>
             <a:fld id="{FE54115B-6CD9-43BC-8D55-E1FCD10AF002}" type="datetimeFigureOut">
               <a:rPr lang="en-US" smtClean="0"/>
-              <a:t>12/20/2023</a:t>
+              <a:t>1/29/2024</a:t>
             </a:fld>
             <a:endParaRPr lang="en-US" dirty="0"/>
           </a:p>
@@ -5684,7 +5684,7 @@
           <a:p>
             <a:fld id="{72CC6C99-819B-4E2C-B66B-9C4B0D9D41D3}" type="datetimeFigureOut">
               <a:rPr lang="en-US" smtClean="0"/>
-              <a:t>12/20/2023</a:t>
+              <a:t>1/29/2024</a:t>
             </a:fld>
             <a:endParaRPr lang="en-US" dirty="0"/>
           </a:p>
@@ -5999,7 +5999,7 @@
           <a:p>
             <a:fld id="{72CC6C99-819B-4E2C-B66B-9C4B0D9D41D3}" type="datetimeFigureOut">
               <a:rPr lang="en-US" smtClean="0"/>
-              <a:t>12/20/2023</a:t>
+              <a:t>1/29/2024</a:t>
             </a:fld>
             <a:endParaRPr lang="en-US" dirty="0"/>
           </a:p>
@@ -6454,7 +6454,7 @@
           <a:p>
             <a:fld id="{72CC6C99-819B-4E2C-B66B-9C4B0D9D41D3}" type="datetimeFigureOut">
               <a:rPr lang="en-US" smtClean="0"/>
-              <a:t>12/20/2023</a:t>
+              <a:t>1/29/2024</a:t>
             </a:fld>
             <a:endParaRPr lang="en-US" dirty="0"/>
           </a:p>
@@ -6595,7 +6595,7 @@
           <a:p>
             <a:fld id="{72CC6C99-819B-4E2C-B66B-9C4B0D9D41D3}" type="datetimeFigureOut">
               <a:rPr lang="en-US" smtClean="0"/>
-              <a:t>12/20/2023</a:t>
+              <a:t>1/29/2024</a:t>
             </a:fld>
             <a:endParaRPr lang="en-US" dirty="0"/>
           </a:p>
@@ -6706,7 +6706,7 @@
           <a:p>
             <a:fld id="{72CC6C99-819B-4E2C-B66B-9C4B0D9D41D3}" type="datetimeFigureOut">
               <a:rPr lang="en-US" smtClean="0"/>
-              <a:t>12/20/2023</a:t>
+              <a:t>1/29/2024</a:t>
             </a:fld>
             <a:endParaRPr lang="en-US" dirty="0"/>
           </a:p>
@@ -7006,7 +7006,7 @@
           <a:p>
             <a:fld id="{72CC6C99-819B-4E2C-B66B-9C4B0D9D41D3}" type="datetimeFigureOut">
               <a:rPr lang="en-US" smtClean="0"/>
-              <a:t>12/20/2023</a:t>
+              <a:t>1/29/2024</a:t>
             </a:fld>
             <a:endParaRPr lang="en-US" dirty="0"/>
           </a:p>
@@ -7283,7 +7283,7 @@
           <a:p>
             <a:fld id="{72CC6C99-819B-4E2C-B66B-9C4B0D9D41D3}" type="datetimeFigureOut">
               <a:rPr lang="en-US" smtClean="0"/>
-              <a:t>12/20/2023</a:t>
+              <a:t>1/29/2024</a:t>
             </a:fld>
             <a:endParaRPr lang="en-US" dirty="0"/>
           </a:p>
@@ -8130,7 +8130,7 @@
           <a:p>
             <a:fld id="{FE54115B-6CD9-43BC-8D55-E1FCD10AF002}" type="datetimeFigureOut">
               <a:rPr lang="en-US" smtClean="0"/>
-              <a:t>12/20/2023</a:t>
+              <a:t>1/29/2024</a:t>
             </a:fld>
             <a:endParaRPr lang="en-US" dirty="0"/>
           </a:p>
@@ -8938,7 +8938,7 @@
         </p:nvSpPr>
         <p:spPr>
           <a:xfrm flipH="1">
-            <a:off x="5379720" y="3160888"/>
+            <a:off x="5410202" y="3182488"/>
             <a:ext cx="4526280" cy="1256489"/>
           </a:xfrm>
           <a:prstGeom prst="rect">
@@ -9093,8 +9093,8 @@
         </p:nvSpPr>
         <p:spPr>
           <a:xfrm>
-            <a:off x="5814899" y="3409823"/>
-            <a:ext cx="4091101" cy="767965"/>
+            <a:off x="5562601" y="3409823"/>
+            <a:ext cx="4343400" cy="767965"/>
           </a:xfrm>
           <a:prstGeom prst="rect">
             <a:avLst/>
@@ -9258,11 +9258,11 @@
           <a:p>
             <a:r>
               <a:rPr lang="en-US" sz="2400" dirty="0" smtClean="0"/>
-              <a:t>AZURE </a:t>
+              <a:t>Azure DevOps CI-CD </a:t>
             </a:r>
             <a:r>
               <a:rPr lang="en-US" sz="2400" dirty="0"/>
-              <a:t>CI-CD Pipelines</a:t>
+              <a:t>Pipelines</a:t>
             </a:r>
           </a:p>
           <a:p>
@@ -10699,113 +10699,228 @@
               <a:rPr lang="en-US" sz="1200" dirty="0" smtClean="0">
                 <a:sym typeface="Wingdings" panose="05000000000000000000" pitchFamily="2" charset="2"/>
               </a:rPr>
-              <a:t> Azure platform where ,all the ALM activities can be performed effectively (maintaining project in reo ,creating the automatic builds system using CI ,creating auto deployment mechanism  using CD and </a:t>
+              <a:t> </a:t>
             </a:r>
             <a:r>
               <a:rPr lang="en-US" sz="1200" dirty="0" err="1" smtClean="0">
+                <a:solidFill>
+                  <a:srgbClr val="FFC000"/>
+                </a:solidFill>
+                <a:sym typeface="Wingdings" panose="05000000000000000000" pitchFamily="2" charset="2"/>
+              </a:rPr>
+              <a:t>Q.What</a:t>
+            </a:r>
+            <a:r>
+              <a:rPr lang="en-US" sz="1200" dirty="0" smtClean="0">
+                <a:solidFill>
+                  <a:srgbClr val="FFC000"/>
+                </a:solidFill>
+                <a:sym typeface="Wingdings" panose="05000000000000000000" pitchFamily="2" charset="2"/>
+              </a:rPr>
+              <a:t> is azure </a:t>
+            </a:r>
+            <a:r>
+              <a:rPr lang="en-US" sz="1200" dirty="0" smtClean="0">
+                <a:sym typeface="Wingdings" panose="05000000000000000000" pitchFamily="2" charset="2"/>
+              </a:rPr>
+              <a:t>?</a:t>
+            </a:r>
+            <a:r>
+              <a:rPr lang="en-US" sz="1200" b="1" dirty="0" err="1" smtClean="0">
+                <a:solidFill>
+                  <a:srgbClr val="FFC000"/>
+                </a:solidFill>
+                <a:sym typeface="Wingdings" panose="05000000000000000000" pitchFamily="2" charset="2"/>
+              </a:rPr>
+              <a:t>DIAGRAM</a:t>
+            </a:r>
+            <a:r>
+              <a:rPr lang="en-US" sz="1200" dirty="0" err="1" smtClean="0">
+                <a:solidFill>
+                  <a:schemeClr val="tx1"/>
+                </a:solidFill>
+                <a:sym typeface="Wingdings" panose="05000000000000000000" pitchFamily="2" charset="2"/>
+              </a:rPr>
+              <a:t>platform</a:t>
+            </a:r>
+            <a:r>
+              <a:rPr lang="en-US" sz="1200" dirty="0" smtClean="0">
+                <a:solidFill>
+                  <a:schemeClr val="tx1"/>
+                </a:solidFill>
+                <a:sym typeface="Wingdings" panose="05000000000000000000" pitchFamily="2" charset="2"/>
+              </a:rPr>
+              <a:t> where ,all the activities can be performed effectively (maintaining project in reo ,creating the automatic builds system using CI ,creating auto deployment mechanism  using CD and </a:t>
+            </a:r>
+            <a:r>
+              <a:rPr lang="en-US" sz="1200" dirty="0" err="1" smtClean="0">
+                <a:solidFill>
+                  <a:schemeClr val="tx1"/>
+                </a:solidFill>
                 <a:sym typeface="Wingdings" panose="05000000000000000000" pitchFamily="2" charset="2"/>
               </a:rPr>
               <a:t>etc</a:t>
             </a:r>
             <a:r>
               <a:rPr lang="en-US" sz="1200" dirty="0" smtClean="0">
+                <a:solidFill>
+                  <a:schemeClr val="tx1"/>
+                </a:solidFill>
                 <a:sym typeface="Wingdings" panose="05000000000000000000" pitchFamily="2" charset="2"/>
               </a:rPr>
               <a:t> ALM can be done)</a:t>
             </a:r>
           </a:p>
           <a:p>
+            <a:endParaRPr lang="en-US" sz="1200" dirty="0">
+              <a:solidFill>
+                <a:schemeClr val="tx1"/>
+              </a:solidFill>
+              <a:sym typeface="Wingdings" panose="05000000000000000000" pitchFamily="2" charset="2"/>
+            </a:endParaRPr>
+          </a:p>
+          <a:p>
+            <a:r>
+              <a:rPr lang="en-US" sz="1200" dirty="0" smtClean="0">
+                <a:solidFill>
+                  <a:schemeClr val="tx1"/>
+                </a:solidFill>
+              </a:rPr>
+              <a:t>For such ALM activities </a:t>
+            </a:r>
+            <a:r>
+              <a:rPr lang="en-US" sz="1200" dirty="0" smtClean="0">
+                <a:solidFill>
+                  <a:schemeClr val="tx1"/>
+                </a:solidFill>
+                <a:sym typeface="Wingdings" panose="05000000000000000000" pitchFamily="2" charset="2"/>
+              </a:rPr>
+              <a:t> Azure provides  on premise version and cloud version</a:t>
+            </a:r>
+          </a:p>
+          <a:p>
+            <a:r>
+              <a:rPr lang="en-US" sz="1200" dirty="0" smtClean="0">
+                <a:sym typeface="Wingdings" panose="05000000000000000000" pitchFamily="2" charset="2"/>
+              </a:rPr>
+              <a:t> 2 types of ADO</a:t>
+            </a:r>
+            <a:r>
+              <a:rPr lang="en-US" sz="1200" dirty="0" smtClean="0">
+                <a:solidFill>
+                  <a:srgbClr val="FFC000"/>
+                </a:solidFill>
+                <a:sym typeface="Wingdings" panose="05000000000000000000" pitchFamily="2" charset="2"/>
+              </a:rPr>
+              <a:t>Q name them (gone RMPM)?</a:t>
+            </a:r>
+            <a:endParaRPr lang="en-US" sz="1200" dirty="0">
+              <a:solidFill>
+                <a:srgbClr val="FFC000"/>
+              </a:solidFill>
+              <a:sym typeface="Wingdings" panose="05000000000000000000" pitchFamily="2" charset="2"/>
+            </a:endParaRPr>
+          </a:p>
+          <a:p>
+            <a:r>
+              <a:rPr lang="en-US" sz="1200" dirty="0" smtClean="0">
+                <a:sym typeface="Wingdings" panose="05000000000000000000" pitchFamily="2" charset="2"/>
+              </a:rPr>
+              <a:t>On cloud </a:t>
+            </a:r>
+            <a:r>
+              <a:rPr lang="en-US" sz="1200" dirty="0" smtClean="0">
+                <a:sym typeface="Wingdings" panose="05000000000000000000" pitchFamily="2" charset="2"/>
+              </a:rPr>
+              <a:t>ADO means ADO hosted at Microsoft side  means every </a:t>
+            </a:r>
+            <a:r>
+              <a:rPr lang="en-US" sz="1200" dirty="0" smtClean="0">
+                <a:sym typeface="Wingdings" panose="05000000000000000000" pitchFamily="2" charset="2"/>
+              </a:rPr>
+              <a:t>single thing is been maintained at Microsoft side  such as taking care of project on repository done by Microsoft ,All the pipelines such as CICD maintained by microsoft, and </a:t>
+            </a:r>
+            <a:r>
+              <a:rPr lang="en-US" sz="1200" dirty="0" err="1" smtClean="0">
+                <a:sym typeface="Wingdings" panose="05000000000000000000" pitchFamily="2" charset="2"/>
+              </a:rPr>
+              <a:t>etc</a:t>
+            </a:r>
+            <a:endParaRPr lang="en-US" sz="1200" dirty="0" smtClean="0">
+              <a:sym typeface="Wingdings" panose="05000000000000000000" pitchFamily="2" charset="2"/>
+            </a:endParaRPr>
+          </a:p>
+          <a:p>
+            <a:r>
+              <a:rPr lang="en-US" sz="1200" dirty="0">
+                <a:sym typeface="Wingdings" panose="05000000000000000000" pitchFamily="2" charset="2"/>
+              </a:rPr>
+              <a:t> </a:t>
+            </a:r>
+            <a:r>
+              <a:rPr lang="en-US" sz="1200" dirty="0" smtClean="0">
+                <a:sym typeface="Wingdings" panose="05000000000000000000" pitchFamily="2" charset="2"/>
+              </a:rPr>
+              <a:t>                             similarly</a:t>
+            </a:r>
             <a:endParaRPr lang="en-US" sz="1200" dirty="0">
               <a:sym typeface="Wingdings" panose="05000000000000000000" pitchFamily="2" charset="2"/>
             </a:endParaRPr>
           </a:p>
           <a:p>
             <a:r>
-              <a:rPr lang="en-US" sz="1200" dirty="0" smtClean="0"/>
-              <a:t>For such ALM activities </a:t>
+              <a:rPr lang="en-US" sz="1200" dirty="0">
+                <a:sym typeface="Wingdings" panose="05000000000000000000" pitchFamily="2" charset="2"/>
+              </a:rPr>
+              <a:t>On </a:t>
+            </a:r>
+            <a:r>
+              <a:rPr lang="en-US" sz="1200" dirty="0" err="1" smtClean="0">
+                <a:sym typeface="Wingdings" panose="05000000000000000000" pitchFamily="2" charset="2"/>
+              </a:rPr>
+              <a:t>prem</a:t>
             </a:r>
             <a:r>
               <a:rPr lang="en-US" sz="1200" dirty="0" smtClean="0">
                 <a:sym typeface="Wingdings" panose="05000000000000000000" pitchFamily="2" charset="2"/>
               </a:rPr>
-              <a:t> Azure provides  on premise version and cloud version</a:t>
-            </a:r>
-          </a:p>
-          <a:p>
-            <a:endParaRPr lang="en-US" sz="1200" dirty="0">
-              <a:sym typeface="Wingdings" panose="05000000000000000000" pitchFamily="2" charset="2"/>
-            </a:endParaRPr>
-          </a:p>
-          <a:p>
+              <a:t> </a:t>
+            </a:r>
             <a:r>
               <a:rPr lang="en-US" sz="1200" dirty="0" smtClean="0">
                 <a:sym typeface="Wingdings" panose="05000000000000000000" pitchFamily="2" charset="2"/>
               </a:rPr>
-              <a:t>On cloud means  every single thing is been maintained at Microsoft side  such as taking care of project on repository done by Microsoft ,All the pipelines such as CICD maintained by microsoft, and </a:t>
-            </a:r>
-            <a:r>
-              <a:rPr lang="en-US" sz="1200" dirty="0" err="1" smtClean="0">
-                <a:sym typeface="Wingdings" panose="05000000000000000000" pitchFamily="2" charset="2"/>
-              </a:rPr>
-              <a:t>etc</a:t>
-            </a:r>
-            <a:endParaRPr lang="en-US" sz="1200" dirty="0" smtClean="0">
-              <a:sym typeface="Wingdings" panose="05000000000000000000" pitchFamily="2" charset="2"/>
-            </a:endParaRPr>
-          </a:p>
-          <a:p>
+              <a:t>version </a:t>
+            </a:r>
             <a:r>
               <a:rPr lang="en-US" sz="1200" dirty="0">
                 <a:sym typeface="Wingdings" panose="05000000000000000000" pitchFamily="2" charset="2"/>
               </a:rPr>
-              <a:t> </a:t>
+              <a:t>means </a:t>
+            </a:r>
+            <a:r>
+              <a:rPr lang="en-US" sz="1200" dirty="0">
+                <a:sym typeface="Wingdings" panose="05000000000000000000" pitchFamily="2" charset="2"/>
+              </a:rPr>
+              <a:t> ADO hosted </a:t>
             </a:r>
             <a:r>
               <a:rPr lang="en-US" sz="1200" dirty="0" smtClean="0">
                 <a:sym typeface="Wingdings" panose="05000000000000000000" pitchFamily="2" charset="2"/>
               </a:rPr>
-              <a:t>                             similarly</a:t>
-            </a:r>
-            <a:endParaRPr lang="en-US" sz="1200" dirty="0">
-              <a:sym typeface="Wingdings" panose="05000000000000000000" pitchFamily="2" charset="2"/>
-            </a:endParaRPr>
-          </a:p>
-          <a:p>
+              <a:t>at Cybage premises </a:t>
+            </a:r>
             <a:r>
               <a:rPr lang="en-US" sz="1200" dirty="0">
                 <a:sym typeface="Wingdings" panose="05000000000000000000" pitchFamily="2" charset="2"/>
               </a:rPr>
-              <a:t>On </a:t>
-            </a:r>
-            <a:r>
-              <a:rPr lang="en-US" sz="1200" dirty="0" err="1" smtClean="0">
-                <a:sym typeface="Wingdings" panose="05000000000000000000" pitchFamily="2" charset="2"/>
-              </a:rPr>
-              <a:t>prem</a:t>
-            </a:r>
-            <a:r>
-              <a:rPr lang="en-US" sz="1200" dirty="0" smtClean="0">
-                <a:sym typeface="Wingdings" panose="05000000000000000000" pitchFamily="2" charset="2"/>
-              </a:rPr>
-              <a:t> </a:t>
-            </a:r>
-            <a:r>
-              <a:rPr lang="en-US" sz="1200" dirty="0" err="1" smtClean="0">
-                <a:sym typeface="Wingdings" panose="05000000000000000000" pitchFamily="2" charset="2"/>
-              </a:rPr>
-              <a:t>version</a:t>
-            </a:r>
-            <a:r>
-              <a:rPr lang="en-US" sz="1200" dirty="0" err="1">
-                <a:sym typeface="Wingdings" panose="05000000000000000000" pitchFamily="2" charset="2"/>
-              </a:rPr>
-              <a:t>means</a:t>
+              <a:t> </a:t>
             </a:r>
             <a:r>
               <a:rPr lang="en-US" sz="1200" dirty="0">
                 <a:sym typeface="Wingdings" panose="05000000000000000000" pitchFamily="2" charset="2"/>
               </a:rPr>
-              <a:t>  every single thing is been maintained </a:t>
+              <a:t>every single thing is been maintained </a:t>
             </a:r>
             <a:r>
               <a:rPr lang="en-US" sz="1200" dirty="0" smtClean="0">
@@ -17655,9 +17770,11 @@
               <a:rPr lang="en-US" sz="1300" u="sng" dirty="0" smtClean="0">
                 <a:sym typeface="Wingdings" panose="05000000000000000000" pitchFamily="2" charset="2"/>
               </a:rPr>
-              <a:t>means how agents are use full for running CICD  self hosted and micro  </a:t>
-            </a:r>
-            <a:endParaRPr lang="en-US" sz="1300" u="sng" dirty="0"/>
+              <a:t> How to create agent what is the use of agent </a:t>
+            </a:r>
+            <a:endParaRPr lang="en-US" sz="1300" u="sng" dirty="0">
+              <a:sym typeface="Wingdings" panose="05000000000000000000" pitchFamily="2" charset="2"/>
+            </a:endParaRPr>
           </a:p>
           <a:p>
             <a:pPr algn="l">
@@ -17691,17 +17808,65 @@
             </a:r>
             <a:r>
               <a:rPr lang="en-US" sz="1300" i="1" u="sng" dirty="0" smtClean="0"/>
-              <a:t>then we will see Build pipeline concept , which also know an CI </a:t>
-            </a:r>
-            <a:r>
-              <a:rPr lang="en-US" sz="1300" i="1" u="sng" dirty="0" smtClean="0">
-                <a:sym typeface="Wingdings" panose="05000000000000000000" pitchFamily="2" charset="2"/>
-              </a:rPr>
-              <a:t>use to build project</a:t>
+              <a:t>then we will see Build pipeline concept </a:t>
             </a:r>
             <a:r>
               <a:rPr lang="en-US" sz="1300" i="1" u="sng" dirty="0" smtClean="0"/>
               <a:t> </a:t>
+            </a:r>
+            <a:r>
+              <a:rPr lang="en-US" sz="1300" i="1" u="sng" dirty="0" smtClean="0">
+                <a:sym typeface="Wingdings" panose="05000000000000000000" pitchFamily="2" charset="2"/>
+              </a:rPr>
+              <a:t>how to create Ci   How to configure </a:t>
+            </a:r>
+            <a:endParaRPr lang="en-US" sz="1300" i="1" u="sng" dirty="0" smtClean="0"/>
+          </a:p>
+          <a:p>
+            <a:pPr algn="l">
+              <a:spcBef>
+                <a:spcPts val="0"/>
+              </a:spcBef>
+              <a:buClr>
+                <a:srgbClr val="0075B0"/>
+              </a:buClr>
+              <a:buFont typeface="Arial" pitchFamily="34" charset="0"/>
+              <a:buChar char="•"/>
+            </a:pPr>
+            <a:endParaRPr lang="en-US" sz="1600" dirty="0" smtClean="0"/>
+          </a:p>
+          <a:p>
+            <a:pPr algn="l">
+              <a:spcBef>
+                <a:spcPts val="0"/>
+              </a:spcBef>
+              <a:buClr>
+                <a:srgbClr val="0075B0"/>
+              </a:buClr>
+              <a:buFont typeface="Arial" pitchFamily="34" charset="0"/>
+              <a:buChar char="•"/>
+            </a:pPr>
+            <a:r>
+              <a:rPr lang="en-US" sz="1600" dirty="0" smtClean="0"/>
+              <a:t> </a:t>
+            </a:r>
+            <a:r>
+              <a:rPr lang="en-US" sz="1600" dirty="0"/>
+              <a:t>Build </a:t>
+            </a:r>
+            <a:r>
+              <a:rPr lang="en-US" sz="1600" dirty="0" smtClean="0"/>
+              <a:t>Triggers </a:t>
+            </a:r>
+            <a:r>
+              <a:rPr lang="en-US" sz="1300" i="1" u="sng" dirty="0" smtClean="0"/>
+              <a:t>a pipeline can be scheduled to execute at specific day or at specific time</a:t>
+            </a:r>
+            <a:r>
+              <a:rPr lang="en-US" sz="1300" i="1" u="sng" dirty="0" smtClean="0">
+                <a:sym typeface="Wingdings" panose="05000000000000000000" pitchFamily="2" charset="2"/>
+              </a:rPr>
+              <a:t>using trigger</a:t>
             </a:r>
             <a:endParaRPr lang="en-US" sz="1300" i="1" u="sng" dirty="0"/>
           </a:p>
@@ -17731,21 +17896,19 @@
             </a:pPr>
             <a:r>
               <a:rPr lang="en-US" sz="1600" dirty="0"/>
-              <a:t> Build </a:t>
+              <a:t> SonarQube and Unit Test Case </a:t>
             </a:r>
             <a:r>
               <a:rPr lang="en-US" sz="1600" dirty="0" smtClean="0"/>
-              <a:t>Triggers </a:t>
+              <a:t>Integration </a:t>
             </a:r>
             <a:r>
               <a:rPr lang="en-US" sz="1300" i="1" u="sng" dirty="0" smtClean="0"/>
-              <a:t>a pipeline can be scheduled to execute at specific day or at specific time</a:t>
-            </a:r>
-            <a:r>
-              <a:rPr lang="en-US" sz="1300" i="1" u="sng" dirty="0" smtClean="0">
-                <a:sym typeface="Wingdings" panose="05000000000000000000" pitchFamily="2" charset="2"/>
-              </a:rPr>
-              <a:t>using trigger</a:t>
+              <a:t>we will also see how we can </a:t>
+            </a:r>
+            <a:r>
+              <a:rPr lang="en-US" sz="1300" i="1" u="sng" dirty="0" smtClean="0"/>
+              <a:t>integrate 3rd party services in pipelines.</a:t>
             </a:r>
             <a:endParaRPr lang="en-US" sz="1300" i="1" u="sng" dirty="0"/>
           </a:p>
@@ -17775,44 +17938,6 @@
             </a:pPr>
             <a:r>
               <a:rPr lang="en-US" sz="1600" dirty="0"/>
-              <a:t> SonarQube and Unit Test Case </a:t>
-            </a:r>
-            <a:r>
-              <a:rPr lang="en-US" sz="1600" dirty="0" smtClean="0"/>
-              <a:t>Integration </a:t>
-            </a:r>
-            <a:r>
-              <a:rPr lang="en-US" sz="1300" i="1" u="sng" dirty="0" smtClean="0"/>
-              <a:t>we will also see how we can integrate SQ with our machine using extension tabs</a:t>
-            </a:r>
-            <a:endParaRPr lang="en-US" sz="1300" i="1" u="sng" dirty="0"/>
-          </a:p>
-          <a:p>
-            <a:pPr algn="l">
-              <a:spcBef>
-                <a:spcPts val="0"/>
-              </a:spcBef>
-              <a:buClr>
-                <a:srgbClr val="0075B0"/>
-              </a:buClr>
-              <a:buFont typeface="Arial" pitchFamily="34" charset="0"/>
-              <a:buChar char="•"/>
-            </a:pPr>
-            <a:endParaRPr lang="en-US" sz="1600" dirty="0"/>
-          </a:p>
-          <a:p>
-            <a:pPr algn="l">
-              <a:spcBef>
-                <a:spcPts val="0"/>
-              </a:spcBef>
-              <a:buClr>
-                <a:srgbClr val="0075B0"/>
-              </a:buClr>
-              <a:buFont typeface="Arial" pitchFamily="34" charset="0"/>
-              <a:buChar char="•"/>
-            </a:pPr>
-            <a:r>
-              <a:rPr lang="en-US" sz="1600" dirty="0"/>
               <a:t> </a:t>
             </a:r>
             <a:r>
@@ -17821,13 +17946,13 @@
             </a:r>
             <a:r>
               <a:rPr lang="en-US" sz="1300" i="1" u="sng" dirty="0" smtClean="0"/>
-              <a:t>CI pipeline as a result will output an Artifacts</a:t>
+              <a:t>In artifacts we will also see </a:t>
             </a:r>
             <a:r>
               <a:rPr lang="en-US" sz="1300" i="1" u="sng" dirty="0" smtClean="0">
                 <a:sym typeface="Wingdings" panose="05000000000000000000" pitchFamily="2" charset="2"/>
               </a:rPr>
-              <a:t> and that artifact will be helpful in Release pipeline  </a:t>
+              <a:t>what is artifacts -&gt; for what purpose artifacts  are used</a:t>
             </a:r>
             <a:endParaRPr lang="en-US" sz="1300" i="1" u="sng" dirty="0"/>
           </a:p>
@@ -18022,6 +18147,13 @@
   <p:clrMapOvr>
     <a:masterClrMapping/>
   </p:clrMapOvr>
+  <p:timing>
+    <p:tnLst>
+      <p:par>
+        <p:cTn id="1" dur="indefinite" restart="never" nodeType="tmRoot"/>
+      </p:par>
+    </p:tnLst>
+  </p:timing>
 </p:sld>
 </file>
 
@@ -18314,7 +18446,7 @@
         <p:spPr>
           <a:xfrm>
             <a:off x="168916" y="1276222"/>
-            <a:ext cx="9889484" cy="3846384"/>
+            <a:ext cx="9889484" cy="4174178"/>
           </a:xfrm>
           <a:prstGeom prst="rect">
             <a:avLst/>
@@ -18368,7 +18500,15 @@
                 <a:ea typeface="+mn-ea"/>
                 <a:cs typeface="+mn-cs"/>
               </a:rPr>
-              <a:t>that you can use to automatically build and test your code project and make it available to other users.</a:t>
+              <a:t>that you can use to automatically build and test your code project and make it available to other users</a:t>
+            </a:r>
+            <a:r>
+              <a:rPr lang="en-US" sz="1400" dirty="0" smtClean="0">
+                <a:latin typeface="+mn-lt"/>
+                <a:ea typeface="+mn-ea"/>
+                <a:cs typeface="+mn-cs"/>
+              </a:rPr>
+              <a:t>.</a:t>
             </a:r>
           </a:p>
           <a:p>
@@ -18378,6 +18518,43 @@
               </a:lnSpc>
             </a:pPr>
             <a:r>
+              <a:rPr lang="en-US" sz="1400" dirty="0" smtClean="0">
+                <a:solidFill>
+                  <a:srgbClr val="FFC000"/>
+                </a:solidFill>
+                <a:latin typeface="+mn-lt"/>
+                <a:ea typeface="+mn-ea"/>
+                <a:cs typeface="+mn-cs"/>
+              </a:rPr>
+              <a:t>Q. What you can understand from </a:t>
+            </a:r>
+            <a:r>
+              <a:rPr lang="en-US" sz="1400" dirty="0" err="1" smtClean="0">
+                <a:solidFill>
+                  <a:srgbClr val="FFC000"/>
+                </a:solidFill>
+                <a:latin typeface="+mn-lt"/>
+                <a:ea typeface="+mn-ea"/>
+                <a:cs typeface="+mn-cs"/>
+              </a:rPr>
+              <a:t>defination</a:t>
+            </a:r>
+            <a:endParaRPr lang="en-US" sz="1400" dirty="0">
+              <a:solidFill>
+                <a:srgbClr val="FFC000"/>
+              </a:solidFill>
+              <a:latin typeface="+mn-lt"/>
+              <a:ea typeface="+mn-ea"/>
+              <a:cs typeface="+mn-cs"/>
+            </a:endParaRPr>
+          </a:p>
+          <a:p>
+            <a:pPr algn="l">
+              <a:lnSpc>
+                <a:spcPct val="160000"/>
+              </a:lnSpc>
+            </a:pPr>
+            <a:r>
               <a:rPr lang="en-US" sz="1400" i="1" u="sng" dirty="0" smtClean="0">
                 <a:latin typeface="+mn-lt"/>
                 <a:ea typeface="+mn-ea"/>
@@ -18392,9 +18569,18 @@
                 <a:cs typeface="+mn-cs"/>
                 <a:sym typeface="Wingdings" panose="05000000000000000000" pitchFamily="2" charset="2"/>
               </a:rPr>
-              <a:t>this azure 2022 server build our project automatically  will test our project code  and in form of build and test result as artifacts  the project code will be available to other users via artifact</a:t>
-            </a:r>
-            <a:endParaRPr lang="en-US" sz="1400" i="1" u="sng" dirty="0">
+              <a:t>whatever project that will be developed by the developer  it will be bu</a:t>
+            </a:r>
+            <a:r>
+              <a:rPr lang="en-US" sz="1400" i="1" u="sng" dirty="0" smtClean="0">
+                <a:latin typeface="+mn-lt"/>
+                <a:ea typeface="+mn-ea"/>
+                <a:cs typeface="+mn-cs"/>
+                <a:sym typeface="Wingdings" panose="05000000000000000000" pitchFamily="2" charset="2"/>
+              </a:rPr>
+              <a:t>ild and tested by our CICD  automatically  show manual way in VS2022</a:t>
+            </a:r>
+            <a:endParaRPr lang="en-US" sz="1400" i="1" u="sng" dirty="0" smtClean="0">
               <a:latin typeface="+mn-lt"/>
               <a:ea typeface="+mn-ea"/>
               <a:cs typeface="+mn-cs"/>
@@ -18409,7 +18595,7 @@
               <a:buChar char="•"/>
             </a:pPr>
             <a:r>
-              <a:rPr lang="en-US" sz="1400" b="1" dirty="0"/>
+              <a:rPr lang="en-US" sz="1400" b="1" dirty="0" smtClean="0"/>
               <a:t>Languages</a:t>
             </a:r>
           </a:p>
@@ -18454,7 +18640,47 @@
                 <a:ea typeface="+mn-ea"/>
                 <a:cs typeface="+mn-cs"/>
               </a:rPr>
-              <a:t>Why Build &amp; Release</a:t>
+              <a:t>Why Build &amp; </a:t>
+            </a:r>
+            <a:r>
+              <a:rPr lang="en-US" sz="1400" b="1" dirty="0" smtClean="0">
+                <a:latin typeface="+mn-lt"/>
+                <a:ea typeface="+mn-ea"/>
+                <a:cs typeface="+mn-cs"/>
+              </a:rPr>
+              <a:t>Release (manual = huma</a:t>
+            </a:r>
+            <a:r>
+              <a:rPr lang="en-US" sz="1400" b="1" dirty="0" smtClean="0">
+                <a:latin typeface="+mn-lt"/>
+                <a:ea typeface="+mn-ea"/>
+                <a:cs typeface="+mn-cs"/>
+              </a:rPr>
+              <a:t>n intervene= </a:t>
+            </a:r>
+            <a:r>
+              <a:rPr lang="en-US" sz="1400" b="1" dirty="0" smtClean="0">
+                <a:latin typeface="+mn-lt"/>
+                <a:ea typeface="+mn-ea"/>
+                <a:cs typeface="+mn-cs"/>
+              </a:rPr>
+              <a:t>no safer ,auto =</a:t>
+            </a:r>
+            <a:r>
+              <a:rPr lang="en-US" sz="1400" b="1" dirty="0" err="1" smtClean="0">
+                <a:latin typeface="+mn-lt"/>
+                <a:ea typeface="+mn-ea"/>
+                <a:cs typeface="+mn-cs"/>
+              </a:rPr>
+              <a:t>bcz</a:t>
+            </a:r>
+            <a:r>
+              <a:rPr lang="en-US" sz="1400" b="1" dirty="0" smtClean="0">
+                <a:latin typeface="+mn-lt"/>
+                <a:ea typeface="+mn-ea"/>
+                <a:cs typeface="+mn-cs"/>
+              </a:rPr>
+              <a:t> no human interference=safer)</a:t>
             </a:r>
             <a:endParaRPr lang="en-US" sz="1400" b="1" dirty="0">
               <a:solidFill>
@@ -18477,7 +18703,31 @@
                 <a:ea typeface="+mn-ea"/>
                 <a:cs typeface="+mn-cs"/>
               </a:rPr>
-              <a:t>	A safe way for automating the build process of a project</a:t>
+              <a:t>	A safe way </a:t>
+            </a:r>
+            <a:r>
+              <a:rPr lang="en-US" sz="1400" dirty="0" smtClean="0">
+                <a:latin typeface="+mn-lt"/>
+                <a:ea typeface="+mn-ea"/>
+                <a:cs typeface="+mn-cs"/>
+              </a:rPr>
+              <a:t>of</a:t>
+            </a:r>
+            <a:r>
+              <a:rPr lang="en-US" sz="1400" dirty="0" smtClean="0">
+                <a:latin typeface="+mn-lt"/>
+                <a:ea typeface="+mn-ea"/>
+                <a:cs typeface="+mn-cs"/>
+              </a:rPr>
+              <a:t> </a:t>
+            </a:r>
+            <a:r>
+              <a:rPr lang="en-US" sz="1400" dirty="0">
+                <a:latin typeface="+mn-lt"/>
+                <a:ea typeface="+mn-ea"/>
+                <a:cs typeface="+mn-cs"/>
+              </a:rPr>
+              <a:t>automating the build process of a project</a:t>
             </a:r>
             <a:r>
               <a:rPr lang="en-US" sz="1400" dirty="0" smtClean="0">
@@ -18495,7 +18745,7 @@
               </a:lnSpc>
             </a:pPr>
             <a:r>
-              <a:rPr lang="en-US" sz="1400" dirty="0" smtClean="0">
+              <a:rPr lang="en-US" sz="1400" i="1" u="sng" dirty="0" smtClean="0">
                 <a:latin typeface="+mn-lt"/>
                 <a:ea typeface="+mn-ea"/>
                 <a:cs typeface="+mn-cs"/>
@@ -18503,7 +18753,7 @@
               <a:t>Yes </a:t>
             </a:r>
             <a:r>
-              <a:rPr lang="en-US" sz="1400" dirty="0" smtClean="0">
+              <a:rPr lang="en-US" sz="1400" i="1" u="sng" dirty="0" smtClean="0">
                 <a:latin typeface="+mn-lt"/>
                 <a:ea typeface="+mn-ea"/>
                 <a:cs typeface="+mn-cs"/>
@@ -18512,7 +18762,7 @@
               <a:t> let suppose any employee mistakenly introduced an error at build time or release time  or </a:t>
             </a:r>
             <a:r>
-              <a:rPr lang="en-US" sz="1400" dirty="0" err="1" smtClean="0">
+              <a:rPr lang="en-US" sz="1400" i="1" u="sng" dirty="0" err="1" smtClean="0">
                 <a:latin typeface="+mn-lt"/>
                 <a:ea typeface="+mn-ea"/>
                 <a:cs typeface="+mn-cs"/>
@@ -18521,7 +18771,7 @@
               <a:t>bcz</a:t>
             </a:r>
             <a:r>
-              <a:rPr lang="en-US" sz="1400" dirty="0" smtClean="0">
+              <a:rPr lang="en-US" sz="1400" i="1" u="sng" dirty="0" smtClean="0">
                 <a:latin typeface="+mn-lt"/>
                 <a:ea typeface="+mn-ea"/>
                 <a:cs typeface="+mn-cs"/>
@@ -18530,7 +18780,7 @@
               <a:t> of human behavior ,employee may forget to execute the build or release pipeline in time  or </a:t>
             </a:r>
             <a:r>
-              <a:rPr lang="en-US" sz="1400" dirty="0" err="1" smtClean="0">
+              <a:rPr lang="en-US" sz="1400" i="1" u="sng" dirty="0" err="1" smtClean="0">
                 <a:latin typeface="+mn-lt"/>
                 <a:ea typeface="+mn-ea"/>
                 <a:cs typeface="+mn-cs"/>
@@ -18539,7 +18789,7 @@
               <a:t>bcz</a:t>
             </a:r>
             <a:r>
-              <a:rPr lang="en-US" sz="1400" dirty="0" smtClean="0">
+              <a:rPr lang="en-US" sz="1400" i="1" u="sng" dirty="0" smtClean="0">
                 <a:latin typeface="+mn-lt"/>
                 <a:ea typeface="+mn-ea"/>
                 <a:cs typeface="+mn-cs"/>
@@ -18547,7 +18797,7 @@
               </a:rPr>
               <a:t> of any human mistake ,process can affect  so this human error are reduced using automation  increase efficiency , productivity</a:t>
             </a:r>
-            <a:endParaRPr lang="en-US" sz="1400" dirty="0">
+            <a:endParaRPr lang="en-US" sz="1400" i="1" u="sng" dirty="0">
               <a:latin typeface="+mn-lt"/>
               <a:ea typeface="+mn-ea"/>
               <a:cs typeface="+mn-cs"/>
@@ -18565,6 +18815,13 @@
   <p:clrMapOvr>
     <a:masterClrMapping/>
   </p:clrMapOvr>
+  <p:timing>
+    <p:tnLst>
+      <p:par>
+        <p:cTn id="1" dur="indefinite" restart="never" nodeType="tmRoot"/>
+      </p:par>
+    </p:tnLst>
+  </p:timing>
 </p:sld>
 </file>
 
@@ -19526,8 +19783,8 @@
         </p:blipFill>
         <p:spPr bwMode="auto">
           <a:xfrm>
-            <a:off x="5525729" y="1305720"/>
-            <a:ext cx="4427895" cy="2675730"/>
+            <a:off x="5486401" y="1305720"/>
+            <a:ext cx="4467224" cy="2503080"/>
           </a:xfrm>
           <a:prstGeom prst="rect">
             <a:avLst/>
@@ -19567,6 +19824,13 @@
   <p:clrMapOvr>
     <a:masterClrMapping/>
   </p:clrMapOvr>
+  <p:timing>
+    <p:tnLst>
+      <p:par>
+        <p:cTn id="1" dur="indefinite" restart="never" nodeType="tmRoot"/>
+      </p:par>
+    </p:tnLst>
+  </p:timing>
 </p:sld>
 </file>
 
@@ -20161,12 +20425,20 @@
               <a:buChar char="•"/>
             </a:pPr>
             <a:r>
+              <a:rPr lang="en-US" sz="1400" b="1" dirty="0">
+                <a:latin typeface="+mn-lt"/>
+                <a:ea typeface="+mn-ea"/>
+                <a:cs typeface="+mn-cs"/>
+              </a:rPr>
+              <a:t>Diagnostics</a:t>
+            </a:r>
+            <a:r>
               <a:rPr lang="en-US" sz="1400" dirty="0">
                 <a:latin typeface="+mn-lt"/>
                 <a:ea typeface="+mn-ea"/>
                 <a:cs typeface="+mn-cs"/>
               </a:rPr>
-              <a:t>Diagnostics (Logs</a:t>
+              <a:t> (Logs</a:t>
             </a:r>
             <a:r>
               <a:rPr lang="en-US" sz="1400" dirty="0" smtClean="0">
@@ -20247,6 +20519,13 @@
   <p:clrMapOvr>
     <a:masterClrMapping/>
   </p:clrMapOvr>
+  <p:timing>
+    <p:tnLst>
+      <p:par>
+        <p:cTn id="1" dur="indefinite" restart="never" nodeType="tmRoot"/>
+      </p:par>
+    </p:tnLst>
+  </p:timing>
 </p:sld>
 </file>
 
@@ -21425,7 +21704,7 @@
               <a:t>Agent </a:t>
             </a:r>
             <a:r>
-              <a:rPr lang="en-US" sz="1200" i="1" u="sng" dirty="0" smtClean="0">
+              <a:rPr lang="en-US" sz="1800" b="1" dirty="0" smtClean="0">
                 <a:solidFill>
                   <a:srgbClr val="2B3B4B"/>
                 </a:solidFill>
@@ -21433,58 +21712,94 @@
                 <a:ea typeface="Tahoma" panose="020B0604030504040204" pitchFamily="34" charset="0"/>
                 <a:cs typeface="Tahoma" panose="020B0604030504040204" pitchFamily="34" charset="0"/>
               </a:rPr>
-              <a:t>as we have seen this </a:t>
+              <a:t> Q. </a:t>
             </a:r>
             <a:r>
               <a:rPr lang="en-US" sz="1200" i="1" u="sng" dirty="0" smtClean="0">
                 <a:solidFill>
-                  <a:srgbClr val="2B3B4B"/>
+                  <a:schemeClr val="bg1">
+                    <a:lumMod val="85000"/>
+                  </a:schemeClr>
                 </a:solidFill>
                 <a:latin typeface="Tahoma" panose="020B0604030504040204" pitchFamily="34" charset="0"/>
                 <a:ea typeface="Tahoma" panose="020B0604030504040204" pitchFamily="34" charset="0"/>
                 <a:cs typeface="Tahoma" panose="020B0604030504040204" pitchFamily="34" charset="0"/>
-                <a:sym typeface="Wingdings" panose="05000000000000000000" pitchFamily="2" charset="2"/>
-              </a:rPr>
-              <a:t> agent is intermediator between project and artifact which will be use by CI pipeline and this intermediator is going to help us to build our project in CI pipeline using different machines capabilities</a:t>
-            </a:r>
-            <a:r>
-              <a:rPr lang="en-US" sz="1200" b="1" dirty="0" smtClean="0">
-                <a:solidFill>
-                  <a:srgbClr val="2B3B4B"/>
+              </a:rPr>
+              <a:t>as </a:t>
+            </a:r>
+            <a:r>
+              <a:rPr lang="en-US" sz="1200" i="1" u="sng" dirty="0" smtClean="0">
+                <a:solidFill>
+                  <a:schemeClr val="bg1">
+                    <a:lumMod val="85000"/>
+                  </a:schemeClr>
                 </a:solidFill>
                 <a:latin typeface="Tahoma" panose="020B0604030504040204" pitchFamily="34" charset="0"/>
                 <a:ea typeface="Tahoma" panose="020B0604030504040204" pitchFamily="34" charset="0"/>
                 <a:cs typeface="Tahoma" panose="020B0604030504040204" pitchFamily="34" charset="0"/>
               </a:rPr>
-              <a:t> </a:t>
+              <a:t>we have seen this </a:t>
             </a:r>
             <a:r>
               <a:rPr lang="en-US" sz="1200" i="1" u="sng" dirty="0" smtClean="0">
                 <a:solidFill>
-                  <a:srgbClr val="2B3B4B"/>
+                  <a:schemeClr val="bg1">
+                    <a:lumMod val="85000"/>
+                  </a:schemeClr>
                 </a:solidFill>
                 <a:latin typeface="Tahoma" panose="020B0604030504040204" pitchFamily="34" charset="0"/>
                 <a:ea typeface="Tahoma" panose="020B0604030504040204" pitchFamily="34" charset="0"/>
                 <a:cs typeface="Tahoma" panose="020B0604030504040204" pitchFamily="34" charset="0"/>
                 <a:sym typeface="Wingdings" panose="05000000000000000000" pitchFamily="2" charset="2"/>
               </a:rPr>
-              <a:t> and finally artifact will be generated  it is a pre </a:t>
-            </a:r>
-            <a:r>
-              <a:rPr lang="en-US" sz="1200" i="1" u="sng" dirty="0" err="1" smtClean="0">
-                <a:solidFill>
-                  <a:srgbClr val="2B3B4B"/>
+              <a:t> agent is intermediator between project and artifact which will be use by CI pipeline and this intermediator is going to help us to build our project in CI pipeline using different machines capabilities</a:t>
+            </a:r>
+            <a:r>
+              <a:rPr lang="en-US" sz="1200" b="1" dirty="0" smtClean="0">
+                <a:solidFill>
+                  <a:schemeClr val="bg1">
+                    <a:lumMod val="85000"/>
+                  </a:schemeClr>
                 </a:solidFill>
                 <a:latin typeface="Tahoma" panose="020B0604030504040204" pitchFamily="34" charset="0"/>
                 <a:ea typeface="Tahoma" panose="020B0604030504040204" pitchFamily="34" charset="0"/>
                 <a:cs typeface="Tahoma" panose="020B0604030504040204" pitchFamily="34" charset="0"/>
+              </a:rPr>
+              <a:t> </a:t>
+            </a:r>
+            <a:r>
+              <a:rPr lang="en-US" sz="1200" i="1" u="sng" dirty="0" smtClean="0">
+                <a:solidFill>
+                  <a:schemeClr val="bg1">
+                    <a:lumMod val="85000"/>
+                  </a:schemeClr>
+                </a:solidFill>
+                <a:latin typeface="Tahoma" panose="020B0604030504040204" pitchFamily="34" charset="0"/>
+                <a:ea typeface="Tahoma" panose="020B0604030504040204" pitchFamily="34" charset="0"/>
+                <a:cs typeface="Tahoma" panose="020B0604030504040204" pitchFamily="34" charset="0"/>
+                <a:sym typeface="Wingdings" panose="05000000000000000000" pitchFamily="2" charset="2"/>
+              </a:rPr>
+              <a:t> and finally artifact will be generated  it is a pre </a:t>
+            </a:r>
+            <a:r>
+              <a:rPr lang="en-US" sz="1200" i="1" u="sng" dirty="0" err="1" smtClean="0">
+                <a:solidFill>
+                  <a:schemeClr val="bg1">
+                    <a:lumMod val="85000"/>
+                  </a:schemeClr>
+                </a:solidFill>
+                <a:latin typeface="Tahoma" panose="020B0604030504040204" pitchFamily="34" charset="0"/>
+                <a:ea typeface="Tahoma" panose="020B0604030504040204" pitchFamily="34" charset="0"/>
+                <a:cs typeface="Tahoma" panose="020B0604030504040204" pitchFamily="34" charset="0"/>
                 <a:sym typeface="Wingdings" panose="05000000000000000000" pitchFamily="2" charset="2"/>
               </a:rPr>
               <a:t>req</a:t>
             </a:r>
             <a:endParaRPr lang="en-US" sz="1200" i="1" u="sng" dirty="0">
               <a:solidFill>
-                <a:srgbClr val="2B3B4B"/>
+                <a:schemeClr val="bg1">
+                  <a:lumMod val="85000"/>
+                </a:schemeClr>
               </a:solidFill>
               <a:latin typeface="Tahoma" panose="020B0604030504040204" pitchFamily="34" charset="0"/>
               <a:ea typeface="Tahoma" panose="020B0604030504040204" pitchFamily="34" charset="0"/>
@@ -21556,7 +21871,7 @@
         <p:spPr>
           <a:xfrm>
             <a:off x="238125" y="1221042"/>
-            <a:ext cx="9696450" cy="5016758"/>
+            <a:ext cx="9696450" cy="4801314"/>
           </a:xfrm>
           <a:prstGeom prst="rect">
             <a:avLst/>
@@ -21614,27 +21929,43 @@
           </a:p>
           <a:p>
             <a:r>
+              <a:rPr lang="en-US" sz="1200" dirty="0" err="1" smtClean="0"/>
+              <a:t>Zomato</a:t>
+            </a:r>
+            <a:r>
+              <a:rPr lang="en-US" sz="1200" dirty="0" smtClean="0"/>
+              <a:t> agent</a:t>
+            </a:r>
+            <a:r>
               <a:rPr lang="en-US" sz="1200" dirty="0" smtClean="0">
                 <a:sym typeface="Wingdings" panose="05000000000000000000" pitchFamily="2" charset="2"/>
               </a:rPr>
-              <a:t> it is  different software's which is installed on machines  </a:t>
-            </a:r>
+              <a:t> capability bag </a:t>
+            </a:r>
+            <a:r>
+              <a:rPr lang="en-US" sz="1200" dirty="0" err="1" smtClean="0">
+                <a:sym typeface="Wingdings" panose="05000000000000000000" pitchFamily="2" charset="2"/>
+              </a:rPr>
+              <a:t>pack,bike</a:t>
+            </a:r>
+            <a:endParaRPr lang="en-US" sz="1200" dirty="0" smtClean="0">
+              <a:sym typeface="Wingdings" panose="05000000000000000000" pitchFamily="2" charset="2"/>
+            </a:endParaRPr>
           </a:p>
           <a:p>
             <a:r>
               <a:rPr lang="en-US" sz="1200" dirty="0" smtClean="0">
                 <a:sym typeface="Wingdings" panose="05000000000000000000" pitchFamily="2" charset="2"/>
               </a:rPr>
-              <a:t>and that software is going to be used as a capability in our Ci pipeline to build our project</a:t>
+              <a:t>Agent capability installed </a:t>
+            </a:r>
+            <a:r>
+              <a:rPr lang="en-US" sz="1200" dirty="0" err="1" smtClean="0">
+                <a:sym typeface="Wingdings" panose="05000000000000000000" pitchFamily="2" charset="2"/>
+              </a:rPr>
+              <a:t>softwares</a:t>
             </a:r>
             <a:endParaRPr lang="en-US" sz="1200" dirty="0"/>
-          </a:p>
-          <a:p>
-            <a:pPr marL="285750" indent="-285750">
-              <a:buFont typeface="Courier New" panose="02070309020205020404" pitchFamily="49" charset="0"/>
-              <a:buChar char="o"/>
-            </a:pPr>
-            <a:endParaRPr lang="en-US" sz="1400" b="1" dirty="0"/>
           </a:p>
           <a:p>
             <a:pPr marL="285750" indent="-285750">
@@ -21807,11 +22138,19 @@
             </a:r>
             <a:r>
               <a:rPr lang="en-US" sz="1400" dirty="0" smtClean="0"/>
-              <a:t>organization</a:t>
+              <a:t>organization </a:t>
+            </a:r>
+            <a:r>
+              <a:rPr lang="en-US" sz="1400" smtClean="0"/>
+              <a:t>and project</a:t>
+            </a:r>
+            <a:r>
+              <a:rPr lang="en-US" sz="1200" i="1" u="sng" smtClean="0"/>
+              <a:t> </a:t>
             </a:r>
             <a:r>
               <a:rPr lang="en-US" sz="1200" i="1" u="sng" dirty="0" smtClean="0"/>
-              <a:t> this agent pool also having boundaries </a:t>
+              <a:t>this agent pool also having boundaries </a:t>
             </a:r>
             <a:r>
               <a:rPr lang="en-US" sz="1200" i="1" u="sng" dirty="0" smtClean="0">
@@ -22125,6 +22464,13 @@
   <p:clrMapOvr>
     <a:masterClrMapping/>
   </p:clrMapOvr>
+  <p:timing>
+    <p:tnLst>
+      <p:par>
+        <p:cTn id="1" dur="indefinite" restart="never" nodeType="tmRoot"/>
+      </p:par>
+    </p:tnLst>
+  </p:timing>
 </p:sld>
 </file>
 
@@ -23221,6 +23567,13 @@
   <p:clrMapOvr>
     <a:masterClrMapping/>
   </p:clrMapOvr>
+  <p:timing>
+    <p:tnLst>
+      <p:par>
+        <p:cTn id="1" dur="indefinite" restart="never" nodeType="tmRoot"/>
+      </p:par>
+    </p:tnLst>
+  </p:timing>
 </p:sld>
 </file>
 
@@ -23656,6 +24009,13 @@
   <p:clrMapOvr>
     <a:masterClrMapping/>
   </p:clrMapOvr>
+  <p:timing>
+    <p:tnLst>
+      <p:par>
+        <p:cTn id="1" dur="indefinite" restart="never" nodeType="tmRoot"/>
+      </p:par>
+    </p:tnLst>
+  </p:timing>
 </p:sld>
 </file>
 
@@ -25306,15 +25666,6 @@
 </file>
 
 <file path=customXml/item1.xml><?xml version="1.0" encoding="utf-8"?>
-<?mso-contentType ?>
-<FormTemplates xmlns="http://schemas.microsoft.com/sharepoint/v3/contenttype/forms">
-  <Display>DocumentLibraryForm</Display>
-  <Edit>DocumentLibraryForm</Edit>
-  <New>DocumentLibraryForm</New>
-</FormTemplates>
-</file>
-
-<file path=customXml/item2.xml><?xml version="1.0" encoding="utf-8"?>
 <ct:contentTypeSchema xmlns:ct="http://schemas.microsoft.com/office/2006/metadata/contentType" xmlns:ma="http://schemas.microsoft.com/office/2006/metadata/properties/metaAttributes" ct:_="" ma:_="" ma:contentTypeName="Document" ma:contentTypeID="0x010100D6CFEBD4412E454DA1CFCF1077D1E3BA" ma:contentTypeVersion="0" ma:contentTypeDescription="Create a new document." ma:contentTypeScope="" ma:versionID="8298e5e809efd921dec1ac395905091a">
   <xsd:schema xmlns:xsd="http://www.w3.org/2001/XMLSchema" xmlns:xs="http://www.w3.org/2001/XMLSchema" xmlns:p="http://schemas.microsoft.com/office/2006/metadata/properties" targetNamespace="http://schemas.microsoft.com/office/2006/metadata/properties" ma:root="true" ma:fieldsID="1b05d82d297216baf5b26c55225140df">
     <xsd:element name="properties">
@@ -25428,6 +25779,15 @@
 </ct:contentTypeSchema>
 </file>
 
+<file path=customXml/item2.xml><?xml version="1.0" encoding="utf-8"?>
+<?mso-contentType ?>
+<FormTemplates xmlns="http://schemas.microsoft.com/sharepoint/v3/contenttype/forms">
+  <Display>DocumentLibraryForm</Display>
+  <Edit>DocumentLibraryForm</Edit>
+  <New>DocumentLibraryForm</New>
+</FormTemplates>
+</file>
+
 <file path=customXml/item3.xml><?xml version="1.0" encoding="utf-8"?>
 <p:properties xmlns:p="http://schemas.microsoft.com/office/2006/metadata/properties" xmlns:xsi="http://www.w3.org/2001/XMLSchema-instance" xmlns:pc="http://schemas.microsoft.com/office/infopath/2007/PartnerControls">
   <documentManagement/>
@@ -25435,14 +25795,6 @@
 </file>
 
 <file path=customXml/itemProps1.xml><?xml version="1.0" encoding="utf-8"?>
-<ds:datastoreItem xmlns:ds="http://schemas.openxmlformats.org/officeDocument/2006/customXml" ds:itemID="{A8303361-8011-4563-A938-4A8A5205666C}">
-  <ds:schemaRefs>
-    <ds:schemaRef ds:uri="http://schemas.microsoft.com/sharepoint/v3/contenttype/forms"/>
-  </ds:schemaRefs>
-</ds:datastoreItem>
-</file>
-
-<file path=customXml/itemProps2.xml><?xml version="1.0" encoding="utf-8"?>
 <ds:datastoreItem xmlns:ds="http://schemas.openxmlformats.org/officeDocument/2006/customXml" ds:itemID="{00A2DA0F-2BDE-43F2-87D1-22776D71FA85}">
   <ds:schemaRefs>
     <ds:schemaRef ds:uri="http://schemas.microsoft.com/office/2006/metadata/contentType"/>
@@ -25454,6 +25806,14 @@
     <ds:schemaRef ds:uri="http://purl.org/dc/terms/"/>
     <ds:schemaRef ds:uri="http://schemas.microsoft.com/internal/obd"/>
     <ds:schemaRef ds:uri="http://schemas.microsoft.com/office/infopath/2007/PartnerControls"/>
+  </ds:schemaRefs>
+</ds:datastoreItem>
+</file>
+
+<file path=customXml/itemProps2.xml><?xml version="1.0" encoding="utf-8"?>
+<ds:datastoreItem xmlns:ds="http://schemas.openxmlformats.org/officeDocument/2006/customXml" ds:itemID="{A8303361-8011-4563-A938-4A8A5205666C}">
+  <ds:schemaRefs>
+    <ds:schemaRef ds:uri="http://schemas.microsoft.com/sharepoint/v3/contenttype/forms"/>
   </ds:schemaRefs>
 </ds:datastoreItem>
 </file>
